--- a/images/azure-openai-add-function-calling/diagram.pptx
+++ b/images/azure-openai-add-function-calling/diagram.pptx
@@ -8,6 +8,10 @@
     <p:sldId id="256" r:id="rId2"/>
     <p:sldId id="257" r:id="rId3"/>
     <p:sldId id="258" r:id="rId4"/>
+    <p:sldId id="259" r:id="rId5"/>
+    <p:sldId id="260" r:id="rId6"/>
+    <p:sldId id="262" r:id="rId7"/>
+    <p:sldId id="261" r:id="rId8"/>
   </p:sldIdLst>
   <p:sldSz cx="12192000" cy="6858000"/>
   <p:notesSz cx="6858000" cy="9144000"/>
@@ -106,6 +110,11 @@
       </a:defRPr>
     </a:lvl9pPr>
   </p:defaultTextStyle>
+  <p:extLst>
+    <p:ext uri="{EFAFB233-063F-42B5-8137-9DF3F51BA10A}">
+      <p15:sldGuideLst xmlns:p15="http://schemas.microsoft.com/office/powerpoint/2012/main"/>
+    </p:ext>
+  </p:extLst>
 </p:presentation>
 </file>
 
@@ -4046,7 +4055,7 @@
         <p:spPr>
           <a:xfrm>
             <a:off x="3637957" y="798792"/>
-            <a:ext cx="6568965" cy="976110"/>
+            <a:ext cx="6935450" cy="976110"/>
           </a:xfrm>
           <a:prstGeom prst="wedgeRoundRectCallout">
             <a:avLst>
@@ -4099,8 +4108,20 @@
           </a:p>
           <a:p>
             <a:r>
-              <a:rPr kumimoji="1" lang="ja-JP" altLang="en-US"/>
-              <a:t>この入力からユーザーの好きな食べ物を</a:t>
+              <a:rPr lang="ja-JP" altLang="en-US"/>
+              <a:t>「</a:t>
+            </a:r>
+            <a:r>
+              <a:rPr lang="en-US" altLang="ja-JP" dirty="0"/>
+              <a:t>〜〜〜</a:t>
+            </a:r>
+            <a:r>
+              <a:rPr lang="ja-JP" altLang="en-US"/>
+              <a:t>」っていう</a:t>
+            </a:r>
+            <a:r>
+              <a:rPr kumimoji="1" lang="ja-JP" altLang="en-US"/>
+              <a:t>入力からユーザーの好きな食べ物を</a:t>
             </a:r>
             <a:r>
               <a:rPr kumimoji="1" lang="en-US" altLang="ja-JP" dirty="0"/>
@@ -4346,7 +4367,7 @@
         <p:spPr>
           <a:xfrm>
             <a:off x="3637957" y="444101"/>
-            <a:ext cx="6568965" cy="1196820"/>
+            <a:ext cx="7166677" cy="1196820"/>
           </a:xfrm>
           <a:prstGeom prst="wedgeRoundRectCallout">
             <a:avLst>
@@ -4399,8 +4420,20 @@
           </a:p>
           <a:p>
             <a:r>
-              <a:rPr kumimoji="1" lang="ja-JP" altLang="en-US"/>
-              <a:t>この入力からユーザーの好きな食べ物を</a:t>
+              <a:rPr lang="ja-JP" altLang="en-US"/>
+              <a:t>「</a:t>
+            </a:r>
+            <a:r>
+              <a:rPr lang="en-US" altLang="ja-JP" dirty="0"/>
+              <a:t>〜〜〜</a:t>
+            </a:r>
+            <a:r>
+              <a:rPr lang="ja-JP" altLang="en-US"/>
+              <a:t>」っていう</a:t>
+            </a:r>
+            <a:r>
+              <a:rPr kumimoji="1" lang="ja-JP" altLang="en-US"/>
+              <a:t>入力からユーザーの好きな食べ物を</a:t>
             </a:r>
             <a:r>
               <a:rPr kumimoji="1" lang="en-US" altLang="ja-JP" dirty="0"/>
@@ -5952,6 +5985,1349 @@
     <p:extLst>
       <p:ext uri="{BB962C8B-B14F-4D97-AF65-F5344CB8AC3E}">
         <p14:creationId xmlns:p14="http://schemas.microsoft.com/office/powerpoint/2010/main" val="2819043464"/>
+      </p:ext>
+    </p:extLst>
+  </p:cSld>
+  <p:clrMapOvr>
+    <a:masterClrMapping/>
+  </p:clrMapOvr>
+</p:sld>
+</file>
+
+<file path=ppt/slides/slide4.xml><?xml version="1.0" encoding="utf-8"?>
+<p:sld xmlns:a="http://schemas.openxmlformats.org/drawingml/2006/main" xmlns:r="http://schemas.openxmlformats.org/officeDocument/2006/relationships" xmlns:p="http://schemas.openxmlformats.org/presentationml/2006/main">
+  <p:cSld>
+    <p:spTree>
+      <p:nvGrpSpPr>
+        <p:cNvPr id="1" name=""/>
+        <p:cNvGrpSpPr/>
+        <p:nvPr/>
+      </p:nvGrpSpPr>
+      <p:grpSpPr>
+        <a:xfrm>
+          <a:off x="0" y="0"/>
+          <a:ext cx="0" cy="0"/>
+          <a:chOff x="0" y="0"/>
+          <a:chExt cx="0" cy="0"/>
+        </a:xfrm>
+      </p:grpSpPr>
+      <p:pic>
+        <p:nvPicPr>
+          <p:cNvPr id="21" name="図 20">
+            <a:extLst>
+              <a:ext uri="{FF2B5EF4-FFF2-40B4-BE49-F238E27FC236}">
+                <a16:creationId xmlns:a16="http://schemas.microsoft.com/office/drawing/2014/main" id="{4B8FD8C6-5F84-94FF-11B2-2C08924F694B}"/>
+              </a:ext>
+            </a:extLst>
+          </p:cNvPr>
+          <p:cNvPicPr>
+            <a:picLocks noChangeAspect="1"/>
+          </p:cNvPicPr>
+          <p:nvPr/>
+        </p:nvPicPr>
+        <p:blipFill>
+          <a:blip r:embed="rId2"/>
+          <a:stretch>
+            <a:fillRect/>
+          </a:stretch>
+        </p:blipFill>
+        <p:spPr>
+          <a:xfrm>
+            <a:off x="4112430" y="459629"/>
+            <a:ext cx="6688847" cy="5425859"/>
+          </a:xfrm>
+          <a:prstGeom prst="rect">
+            <a:avLst/>
+          </a:prstGeom>
+        </p:spPr>
+      </p:pic>
+      <p:pic>
+        <p:nvPicPr>
+          <p:cNvPr id="17" name="図 16">
+            <a:extLst>
+              <a:ext uri="{FF2B5EF4-FFF2-40B4-BE49-F238E27FC236}">
+                <a16:creationId xmlns:a16="http://schemas.microsoft.com/office/drawing/2014/main" id="{F521F7CE-8CD6-CEB9-ABC3-FB3D38D643D2}"/>
+              </a:ext>
+            </a:extLst>
+          </p:cNvPr>
+          <p:cNvPicPr>
+            <a:picLocks noChangeAspect="1"/>
+          </p:cNvPicPr>
+          <p:nvPr/>
+        </p:nvPicPr>
+        <p:blipFill rotWithShape="1">
+          <a:blip r:embed="rId3"/>
+          <a:srcRect l="82143"/>
+          <a:stretch/>
+        </p:blipFill>
+        <p:spPr>
+          <a:xfrm>
+            <a:off x="1700772" y="459630"/>
+            <a:ext cx="2411661" cy="5425859"/>
+          </a:xfrm>
+          <a:prstGeom prst="rect">
+            <a:avLst/>
+          </a:prstGeom>
+        </p:spPr>
+      </p:pic>
+      <p:sp>
+        <p:nvSpPr>
+          <p:cNvPr id="10" name="右中かっこ 9">
+            <a:extLst>
+              <a:ext uri="{FF2B5EF4-FFF2-40B4-BE49-F238E27FC236}">
+                <a16:creationId xmlns:a16="http://schemas.microsoft.com/office/drawing/2014/main" id="{624D309A-61D0-449A-857D-1BD89855C2AB}"/>
+              </a:ext>
+            </a:extLst>
+          </p:cNvPr>
+          <p:cNvSpPr/>
+          <p:nvPr/>
+        </p:nvSpPr>
+        <p:spPr>
+          <a:xfrm rot="10800000">
+            <a:off x="4009292" y="719654"/>
+            <a:ext cx="388731" cy="1240221"/>
+          </a:xfrm>
+          <a:prstGeom prst="rightBrace">
+            <a:avLst/>
+          </a:prstGeom>
+          <a:ln w="28575">
+            <a:solidFill>
+              <a:srgbClr val="00B050"/>
+            </a:solidFill>
+          </a:ln>
+        </p:spPr>
+        <p:style>
+          <a:lnRef idx="2">
+            <a:schemeClr val="accent1"/>
+          </a:lnRef>
+          <a:fillRef idx="0">
+            <a:schemeClr val="accent1"/>
+          </a:fillRef>
+          <a:effectRef idx="1">
+            <a:schemeClr val="accent1"/>
+          </a:effectRef>
+          <a:fontRef idx="minor">
+            <a:schemeClr val="tx1"/>
+          </a:fontRef>
+        </p:style>
+        <p:txBody>
+          <a:bodyPr rtlCol="0" anchor="ctr"/>
+          <a:lstStyle/>
+          <a:p>
+            <a:pPr algn="ctr"/>
+            <a:endParaRPr kumimoji="1" lang="ja-JP" altLang="en-US"/>
+          </a:p>
+        </p:txBody>
+      </p:sp>
+      <p:sp>
+        <p:nvSpPr>
+          <p:cNvPr id="11" name="右中かっこ 10">
+            <a:extLst>
+              <a:ext uri="{FF2B5EF4-FFF2-40B4-BE49-F238E27FC236}">
+                <a16:creationId xmlns:a16="http://schemas.microsoft.com/office/drawing/2014/main" id="{AACBAEF6-6BD7-1302-4443-4EFCFB977C39}"/>
+              </a:ext>
+            </a:extLst>
+          </p:cNvPr>
+          <p:cNvSpPr/>
+          <p:nvPr/>
+        </p:nvSpPr>
+        <p:spPr>
+          <a:xfrm rot="10800000">
+            <a:off x="4009292" y="2054470"/>
+            <a:ext cx="388731" cy="3568262"/>
+          </a:xfrm>
+          <a:prstGeom prst="rightBrace">
+            <a:avLst/>
+          </a:prstGeom>
+          <a:ln w="28575">
+            <a:solidFill>
+              <a:srgbClr val="FF0000"/>
+            </a:solidFill>
+          </a:ln>
+        </p:spPr>
+        <p:style>
+          <a:lnRef idx="2">
+            <a:schemeClr val="accent1"/>
+          </a:lnRef>
+          <a:fillRef idx="0">
+            <a:schemeClr val="accent1"/>
+          </a:fillRef>
+          <a:effectRef idx="1">
+            <a:schemeClr val="accent1"/>
+          </a:effectRef>
+          <a:fontRef idx="minor">
+            <a:schemeClr val="tx1"/>
+          </a:fontRef>
+        </p:style>
+        <p:txBody>
+          <a:bodyPr rtlCol="0" anchor="ctr"/>
+          <a:lstStyle/>
+          <a:p>
+            <a:pPr algn="ctr"/>
+            <a:endParaRPr kumimoji="1" lang="ja-JP" altLang="en-US"/>
+          </a:p>
+        </p:txBody>
+      </p:sp>
+      <p:sp>
+        <p:nvSpPr>
+          <p:cNvPr id="13" name="テキスト ボックス 12">
+            <a:extLst>
+              <a:ext uri="{FF2B5EF4-FFF2-40B4-BE49-F238E27FC236}">
+                <a16:creationId xmlns:a16="http://schemas.microsoft.com/office/drawing/2014/main" id="{E6BC5FE5-4AF1-244C-4081-E6A03D4BB3BF}"/>
+              </a:ext>
+            </a:extLst>
+          </p:cNvPr>
+          <p:cNvSpPr txBox="1"/>
+          <p:nvPr/>
+        </p:nvSpPr>
+        <p:spPr>
+          <a:xfrm>
+            <a:off x="1775523" y="1037677"/>
+            <a:ext cx="2262158" cy="646331"/>
+          </a:xfrm>
+          <a:prstGeom prst="rect">
+            <a:avLst/>
+          </a:prstGeom>
+          <a:noFill/>
+        </p:spPr>
+        <p:txBody>
+          <a:bodyPr wrap="none" rtlCol="0">
+            <a:spAutoFit/>
+          </a:bodyPr>
+          <a:lstStyle/>
+          <a:p>
+            <a:r>
+              <a:rPr lang="ja-JP" altLang="en-US">
+                <a:solidFill>
+                  <a:srgbClr val="00B050"/>
+                </a:solidFill>
+              </a:rPr>
+              <a:t>従来同様の入力や</a:t>
+            </a:r>
+            <a:endParaRPr lang="en-US" altLang="ja-JP" dirty="0">
+              <a:solidFill>
+                <a:srgbClr val="00B050"/>
+              </a:solidFill>
+            </a:endParaRPr>
+          </a:p>
+          <a:p>
+            <a:r>
+              <a:rPr lang="ja-JP" altLang="en-US">
+                <a:solidFill>
+                  <a:srgbClr val="00B050"/>
+                </a:solidFill>
+              </a:rPr>
+              <a:t>チャット履歴の配列</a:t>
+            </a:r>
+            <a:endParaRPr kumimoji="1" lang="ja-JP" altLang="en-US">
+              <a:solidFill>
+                <a:srgbClr val="00B050"/>
+              </a:solidFill>
+            </a:endParaRPr>
+          </a:p>
+        </p:txBody>
+      </p:sp>
+      <p:sp>
+        <p:nvSpPr>
+          <p:cNvPr id="16" name="テキスト ボックス 15">
+            <a:extLst>
+              <a:ext uri="{FF2B5EF4-FFF2-40B4-BE49-F238E27FC236}">
+                <a16:creationId xmlns:a16="http://schemas.microsoft.com/office/drawing/2014/main" id="{D53C9EEE-4232-8797-7EBC-1DA976144E39}"/>
+              </a:ext>
+            </a:extLst>
+          </p:cNvPr>
+          <p:cNvSpPr txBox="1"/>
+          <p:nvPr/>
+        </p:nvSpPr>
+        <p:spPr>
+          <a:xfrm>
+            <a:off x="1775522" y="3184584"/>
+            <a:ext cx="2262158" cy="1200329"/>
+          </a:xfrm>
+          <a:prstGeom prst="rect">
+            <a:avLst/>
+          </a:prstGeom>
+          <a:noFill/>
+        </p:spPr>
+        <p:txBody>
+          <a:bodyPr wrap="none" rtlCol="0">
+            <a:spAutoFit/>
+          </a:bodyPr>
+          <a:lstStyle/>
+          <a:p>
+            <a:r>
+              <a:rPr lang="ja-JP" altLang="en-US">
+                <a:solidFill>
+                  <a:srgbClr val="FF0000"/>
+                </a:solidFill>
+              </a:rPr>
+              <a:t>アプリケーションが</a:t>
+            </a:r>
+            <a:endParaRPr lang="en-US" altLang="ja-JP" dirty="0">
+              <a:solidFill>
+                <a:srgbClr val="FF0000"/>
+              </a:solidFill>
+            </a:endParaRPr>
+          </a:p>
+          <a:p>
+            <a:r>
+              <a:rPr lang="ja-JP" altLang="en-US">
+                <a:solidFill>
+                  <a:srgbClr val="FF0000"/>
+                </a:solidFill>
+              </a:rPr>
+              <a:t>持っている機能を</a:t>
+            </a:r>
+            <a:endParaRPr lang="en-US" altLang="ja-JP" dirty="0">
+              <a:solidFill>
+                <a:srgbClr val="FF0000"/>
+              </a:solidFill>
+            </a:endParaRPr>
+          </a:p>
+          <a:p>
+            <a:r>
+              <a:rPr lang="ja-JP" altLang="en-US">
+                <a:solidFill>
+                  <a:srgbClr val="FF0000"/>
+                </a:solidFill>
+              </a:rPr>
+              <a:t>リストアップする</a:t>
+            </a:r>
+            <a:endParaRPr lang="en-US" altLang="ja-JP" dirty="0">
+              <a:solidFill>
+                <a:srgbClr val="FF0000"/>
+              </a:solidFill>
+            </a:endParaRPr>
+          </a:p>
+          <a:p>
+            <a:r>
+              <a:rPr lang="ja-JP" altLang="en-US">
+                <a:solidFill>
+                  <a:srgbClr val="FF0000"/>
+                </a:solidFill>
+              </a:rPr>
+              <a:t>セクション</a:t>
+            </a:r>
+            <a:endParaRPr kumimoji="1" lang="ja-JP" altLang="en-US">
+              <a:solidFill>
+                <a:srgbClr val="FF0000"/>
+              </a:solidFill>
+            </a:endParaRPr>
+          </a:p>
+        </p:txBody>
+      </p:sp>
+    </p:spTree>
+    <p:extLst>
+      <p:ext uri="{BB962C8B-B14F-4D97-AF65-F5344CB8AC3E}">
+        <p14:creationId xmlns:p14="http://schemas.microsoft.com/office/powerpoint/2010/main" val="1278281190"/>
+      </p:ext>
+    </p:extLst>
+  </p:cSld>
+  <p:clrMapOvr>
+    <a:masterClrMapping/>
+  </p:clrMapOvr>
+</p:sld>
+</file>
+
+<file path=ppt/slides/slide5.xml><?xml version="1.0" encoding="utf-8"?>
+<p:sld xmlns:a="http://schemas.openxmlformats.org/drawingml/2006/main" xmlns:r="http://schemas.openxmlformats.org/officeDocument/2006/relationships" xmlns:p="http://schemas.openxmlformats.org/presentationml/2006/main">
+  <p:cSld>
+    <p:spTree>
+      <p:nvGrpSpPr>
+        <p:cNvPr id="1" name=""/>
+        <p:cNvGrpSpPr/>
+        <p:nvPr/>
+      </p:nvGrpSpPr>
+      <p:grpSpPr>
+        <a:xfrm>
+          <a:off x="0" y="0"/>
+          <a:ext cx="0" cy="0"/>
+          <a:chOff x="0" y="0"/>
+          <a:chExt cx="0" cy="0"/>
+        </a:xfrm>
+      </p:grpSpPr>
+      <p:pic>
+        <p:nvPicPr>
+          <p:cNvPr id="3" name="図 2">
+            <a:extLst>
+              <a:ext uri="{FF2B5EF4-FFF2-40B4-BE49-F238E27FC236}">
+                <a16:creationId xmlns:a16="http://schemas.microsoft.com/office/drawing/2014/main" id="{9D35BD15-C600-61C5-15FE-EE8082914305}"/>
+              </a:ext>
+            </a:extLst>
+          </p:cNvPr>
+          <p:cNvPicPr>
+            <a:picLocks noChangeAspect="1"/>
+          </p:cNvPicPr>
+          <p:nvPr/>
+        </p:nvPicPr>
+        <p:blipFill rotWithShape="1">
+          <a:blip r:embed="rId2"/>
+          <a:srcRect l="82143"/>
+          <a:stretch/>
+        </p:blipFill>
+        <p:spPr>
+          <a:xfrm>
+            <a:off x="6842835" y="459629"/>
+            <a:ext cx="2411661" cy="5425859"/>
+          </a:xfrm>
+          <a:prstGeom prst="rect">
+            <a:avLst/>
+          </a:prstGeom>
+        </p:spPr>
+      </p:pic>
+      <p:pic>
+        <p:nvPicPr>
+          <p:cNvPr id="17" name="図 16">
+            <a:extLst>
+              <a:ext uri="{FF2B5EF4-FFF2-40B4-BE49-F238E27FC236}">
+                <a16:creationId xmlns:a16="http://schemas.microsoft.com/office/drawing/2014/main" id="{F521F7CE-8CD6-CEB9-ABC3-FB3D38D643D2}"/>
+              </a:ext>
+            </a:extLst>
+          </p:cNvPr>
+          <p:cNvPicPr>
+            <a:picLocks noChangeAspect="1"/>
+          </p:cNvPicPr>
+          <p:nvPr/>
+        </p:nvPicPr>
+        <p:blipFill rotWithShape="1">
+          <a:blip r:embed="rId2"/>
+          <a:srcRect l="82143"/>
+          <a:stretch/>
+        </p:blipFill>
+        <p:spPr>
+          <a:xfrm>
+            <a:off x="1700772" y="459630"/>
+            <a:ext cx="2411661" cy="5425859"/>
+          </a:xfrm>
+          <a:prstGeom prst="rect">
+            <a:avLst/>
+          </a:prstGeom>
+        </p:spPr>
+      </p:pic>
+      <p:pic>
+        <p:nvPicPr>
+          <p:cNvPr id="2" name="図 1">
+            <a:extLst>
+              <a:ext uri="{FF2B5EF4-FFF2-40B4-BE49-F238E27FC236}">
+                <a16:creationId xmlns:a16="http://schemas.microsoft.com/office/drawing/2014/main" id="{7D434397-2255-38B6-23E6-88177532911D}"/>
+              </a:ext>
+            </a:extLst>
+          </p:cNvPr>
+          <p:cNvPicPr>
+            <a:picLocks noChangeAspect="1"/>
+          </p:cNvPicPr>
+          <p:nvPr/>
+        </p:nvPicPr>
+        <p:blipFill>
+          <a:blip r:embed="rId3"/>
+          <a:stretch>
+            <a:fillRect/>
+          </a:stretch>
+        </p:blipFill>
+        <p:spPr>
+          <a:xfrm>
+            <a:off x="4112433" y="459630"/>
+            <a:ext cx="4931048" cy="5425859"/>
+          </a:xfrm>
+          <a:prstGeom prst="rect">
+            <a:avLst/>
+          </a:prstGeom>
+        </p:spPr>
+      </p:pic>
+      <p:sp>
+        <p:nvSpPr>
+          <p:cNvPr id="16" name="テキスト ボックス 15">
+            <a:extLst>
+              <a:ext uri="{FF2B5EF4-FFF2-40B4-BE49-F238E27FC236}">
+                <a16:creationId xmlns:a16="http://schemas.microsoft.com/office/drawing/2014/main" id="{D53C9EEE-4232-8797-7EBC-1DA976144E39}"/>
+              </a:ext>
+            </a:extLst>
+          </p:cNvPr>
+          <p:cNvSpPr txBox="1"/>
+          <p:nvPr/>
+        </p:nvSpPr>
+        <p:spPr>
+          <a:xfrm>
+            <a:off x="1930629" y="1326608"/>
+            <a:ext cx="2181804" cy="1200329"/>
+          </a:xfrm>
+          <a:prstGeom prst="rect">
+            <a:avLst/>
+          </a:prstGeom>
+          <a:noFill/>
+        </p:spPr>
+        <p:txBody>
+          <a:bodyPr wrap="square" rtlCol="0">
+            <a:spAutoFit/>
+          </a:bodyPr>
+          <a:lstStyle/>
+          <a:p>
+            <a:r>
+              <a:rPr lang="en-US" altLang="ja-JP" dirty="0" err="1">
+                <a:solidFill>
+                  <a:srgbClr val="FF0000"/>
+                </a:solidFill>
+              </a:rPr>
+              <a:t>finish_reason</a:t>
+            </a:r>
+            <a:r>
+              <a:rPr lang="ja-JP" altLang="en-US">
+                <a:solidFill>
+                  <a:srgbClr val="FF0000"/>
+                </a:solidFill>
+              </a:rPr>
+              <a:t>が</a:t>
+            </a:r>
+            <a:r>
+              <a:rPr lang="en-US" altLang="ja-JP" dirty="0" err="1">
+                <a:solidFill>
+                  <a:srgbClr val="FF0000"/>
+                </a:solidFill>
+              </a:rPr>
+              <a:t>function_call</a:t>
+            </a:r>
+            <a:r>
+              <a:rPr lang="ja-JP" altLang="en-US">
+                <a:solidFill>
+                  <a:srgbClr val="FF0000"/>
+                </a:solidFill>
+              </a:rPr>
+              <a:t>の場合は機能呼び出しのレスポンス</a:t>
+            </a:r>
+            <a:endParaRPr kumimoji="1" lang="ja-JP" altLang="en-US">
+              <a:solidFill>
+                <a:srgbClr val="FF0000"/>
+              </a:solidFill>
+            </a:endParaRPr>
+          </a:p>
+        </p:txBody>
+      </p:sp>
+      <p:sp>
+        <p:nvSpPr>
+          <p:cNvPr id="4" name="テキスト ボックス 3">
+            <a:extLst>
+              <a:ext uri="{FF2B5EF4-FFF2-40B4-BE49-F238E27FC236}">
+                <a16:creationId xmlns:a16="http://schemas.microsoft.com/office/drawing/2014/main" id="{BB642886-9D4A-F62C-193D-6372B542DB84}"/>
+              </a:ext>
+            </a:extLst>
+          </p:cNvPr>
+          <p:cNvSpPr txBox="1"/>
+          <p:nvPr/>
+        </p:nvSpPr>
+        <p:spPr>
+          <a:xfrm>
+            <a:off x="1930629" y="3834089"/>
+            <a:ext cx="2181804" cy="1754326"/>
+          </a:xfrm>
+          <a:prstGeom prst="rect">
+            <a:avLst/>
+          </a:prstGeom>
+          <a:noFill/>
+        </p:spPr>
+        <p:txBody>
+          <a:bodyPr wrap="square" rtlCol="0">
+            <a:spAutoFit/>
+          </a:bodyPr>
+          <a:lstStyle/>
+          <a:p>
+            <a:r>
+              <a:rPr lang="en-US" altLang="ja-JP" dirty="0" err="1">
+                <a:solidFill>
+                  <a:srgbClr val="FF0000"/>
+                </a:solidFill>
+              </a:rPr>
+              <a:t>function_call</a:t>
+            </a:r>
+            <a:r>
+              <a:rPr lang="ja-JP" altLang="en-US">
+                <a:solidFill>
+                  <a:srgbClr val="FF0000"/>
+                </a:solidFill>
+              </a:rPr>
+              <a:t>プロパティに対象の機能名とその実行のために必要なデータが</a:t>
+            </a:r>
+            <a:r>
+              <a:rPr lang="en-US" altLang="ja-JP" dirty="0">
+                <a:solidFill>
+                  <a:srgbClr val="FF0000"/>
+                </a:solidFill>
+              </a:rPr>
+              <a:t>JSON</a:t>
+            </a:r>
+            <a:r>
+              <a:rPr lang="ja-JP" altLang="en-US">
+                <a:solidFill>
+                  <a:srgbClr val="FF0000"/>
+                </a:solidFill>
+              </a:rPr>
+              <a:t>文字列で含まれる</a:t>
+            </a:r>
+            <a:endParaRPr kumimoji="1" lang="ja-JP" altLang="en-US">
+              <a:solidFill>
+                <a:srgbClr val="FF0000"/>
+              </a:solidFill>
+            </a:endParaRPr>
+          </a:p>
+        </p:txBody>
+      </p:sp>
+      <p:sp>
+        <p:nvSpPr>
+          <p:cNvPr id="5" name="正方形/長方形 4">
+            <a:extLst>
+              <a:ext uri="{FF2B5EF4-FFF2-40B4-BE49-F238E27FC236}">
+                <a16:creationId xmlns:a16="http://schemas.microsoft.com/office/drawing/2014/main" id="{647ABAA2-4CC0-E406-286E-F9E84016A7D1}"/>
+              </a:ext>
+            </a:extLst>
+          </p:cNvPr>
+          <p:cNvSpPr/>
+          <p:nvPr/>
+        </p:nvSpPr>
+        <p:spPr>
+          <a:xfrm>
+            <a:off x="4787799" y="3365923"/>
+            <a:ext cx="4234742" cy="878010"/>
+          </a:xfrm>
+          <a:prstGeom prst="rect">
+            <a:avLst/>
+          </a:prstGeom>
+          <a:noFill/>
+          <a:ln w="28575">
+            <a:solidFill>
+              <a:srgbClr val="FF0000"/>
+            </a:solidFill>
+            <a:prstDash val="solid"/>
+          </a:ln>
+        </p:spPr>
+        <p:style>
+          <a:lnRef idx="2">
+            <a:schemeClr val="accent1">
+              <a:shade val="15000"/>
+            </a:schemeClr>
+          </a:lnRef>
+          <a:fillRef idx="1">
+            <a:schemeClr val="accent1"/>
+          </a:fillRef>
+          <a:effectRef idx="0">
+            <a:schemeClr val="accent1"/>
+          </a:effectRef>
+          <a:fontRef idx="minor">
+            <a:schemeClr val="lt1"/>
+          </a:fontRef>
+        </p:style>
+        <p:txBody>
+          <a:bodyPr rtlCol="0" anchor="ctr"/>
+          <a:lstStyle/>
+          <a:p>
+            <a:pPr algn="ctr"/>
+            <a:endParaRPr kumimoji="1" lang="ja-JP" altLang="en-US"/>
+          </a:p>
+        </p:txBody>
+      </p:sp>
+      <p:sp>
+        <p:nvSpPr>
+          <p:cNvPr id="7" name="正方形/長方形 6">
+            <a:extLst>
+              <a:ext uri="{FF2B5EF4-FFF2-40B4-BE49-F238E27FC236}">
+                <a16:creationId xmlns:a16="http://schemas.microsoft.com/office/drawing/2014/main" id="{ADCD1772-6C91-8BBA-B92E-CF48862B0B5B}"/>
+              </a:ext>
+            </a:extLst>
+          </p:cNvPr>
+          <p:cNvSpPr/>
+          <p:nvPr/>
+        </p:nvSpPr>
+        <p:spPr>
+          <a:xfrm>
+            <a:off x="4591192" y="2666745"/>
+            <a:ext cx="3079997" cy="306800"/>
+          </a:xfrm>
+          <a:prstGeom prst="rect">
+            <a:avLst/>
+          </a:prstGeom>
+          <a:noFill/>
+          <a:ln w="28575">
+            <a:solidFill>
+              <a:srgbClr val="FF0000"/>
+            </a:solidFill>
+            <a:prstDash val="solid"/>
+          </a:ln>
+        </p:spPr>
+        <p:style>
+          <a:lnRef idx="2">
+            <a:schemeClr val="accent1">
+              <a:shade val="15000"/>
+            </a:schemeClr>
+          </a:lnRef>
+          <a:fillRef idx="1">
+            <a:schemeClr val="accent1"/>
+          </a:fillRef>
+          <a:effectRef idx="0">
+            <a:schemeClr val="accent1"/>
+          </a:effectRef>
+          <a:fontRef idx="minor">
+            <a:schemeClr val="lt1"/>
+          </a:fontRef>
+        </p:style>
+        <p:txBody>
+          <a:bodyPr rtlCol="0" anchor="ctr"/>
+          <a:lstStyle/>
+          <a:p>
+            <a:pPr algn="ctr"/>
+            <a:endParaRPr kumimoji="1" lang="ja-JP" altLang="en-US"/>
+          </a:p>
+        </p:txBody>
+      </p:sp>
+      <p:cxnSp>
+        <p:nvCxnSpPr>
+          <p:cNvPr id="9" name="直線コネクタ 8">
+            <a:extLst>
+              <a:ext uri="{FF2B5EF4-FFF2-40B4-BE49-F238E27FC236}">
+                <a16:creationId xmlns:a16="http://schemas.microsoft.com/office/drawing/2014/main" id="{A1A0B11B-D7DD-FC1F-0D75-779CB7499DE8}"/>
+              </a:ext>
+            </a:extLst>
+          </p:cNvPr>
+          <p:cNvCxnSpPr/>
+          <p:nvPr/>
+        </p:nvCxnSpPr>
+        <p:spPr>
+          <a:xfrm>
+            <a:off x="3140765" y="2492154"/>
+            <a:ext cx="1450427" cy="327991"/>
+          </a:xfrm>
+          <a:prstGeom prst="line">
+            <a:avLst/>
+          </a:prstGeom>
+          <a:ln>
+            <a:solidFill>
+              <a:srgbClr val="FF0000"/>
+            </a:solidFill>
+          </a:ln>
+        </p:spPr>
+        <p:style>
+          <a:lnRef idx="2">
+            <a:schemeClr val="accent1"/>
+          </a:lnRef>
+          <a:fillRef idx="0">
+            <a:schemeClr val="accent1"/>
+          </a:fillRef>
+          <a:effectRef idx="1">
+            <a:schemeClr val="accent1"/>
+          </a:effectRef>
+          <a:fontRef idx="minor">
+            <a:schemeClr val="tx1"/>
+          </a:fontRef>
+        </p:style>
+      </p:cxnSp>
+      <p:cxnSp>
+        <p:nvCxnSpPr>
+          <p:cNvPr id="12" name="直線コネクタ 11">
+            <a:extLst>
+              <a:ext uri="{FF2B5EF4-FFF2-40B4-BE49-F238E27FC236}">
+                <a16:creationId xmlns:a16="http://schemas.microsoft.com/office/drawing/2014/main" id="{C9467FF8-BABD-86F3-7805-F99308DD8088}"/>
+              </a:ext>
+            </a:extLst>
+          </p:cNvPr>
+          <p:cNvCxnSpPr>
+            <a:cxnSpLocks/>
+          </p:cNvCxnSpPr>
+          <p:nvPr/>
+        </p:nvCxnSpPr>
+        <p:spPr>
+          <a:xfrm flipV="1">
+            <a:off x="3901418" y="3796849"/>
+            <a:ext cx="886381" cy="672100"/>
+          </a:xfrm>
+          <a:prstGeom prst="line">
+            <a:avLst/>
+          </a:prstGeom>
+          <a:ln>
+            <a:solidFill>
+              <a:srgbClr val="FF0000"/>
+            </a:solidFill>
+          </a:ln>
+        </p:spPr>
+        <p:style>
+          <a:lnRef idx="2">
+            <a:schemeClr val="accent1"/>
+          </a:lnRef>
+          <a:fillRef idx="0">
+            <a:schemeClr val="accent1"/>
+          </a:fillRef>
+          <a:effectRef idx="1">
+            <a:schemeClr val="accent1"/>
+          </a:effectRef>
+          <a:fontRef idx="minor">
+            <a:schemeClr val="tx1"/>
+          </a:fontRef>
+        </p:style>
+      </p:cxnSp>
+    </p:spTree>
+    <p:extLst>
+      <p:ext uri="{BB962C8B-B14F-4D97-AF65-F5344CB8AC3E}">
+        <p14:creationId xmlns:p14="http://schemas.microsoft.com/office/powerpoint/2010/main" val="2887432642"/>
+      </p:ext>
+    </p:extLst>
+  </p:cSld>
+  <p:clrMapOvr>
+    <a:masterClrMapping/>
+  </p:clrMapOvr>
+</p:sld>
+</file>
+
+<file path=ppt/slides/slide6.xml><?xml version="1.0" encoding="utf-8"?>
+<p:sld xmlns:a="http://schemas.openxmlformats.org/drawingml/2006/main" xmlns:r="http://schemas.openxmlformats.org/officeDocument/2006/relationships" xmlns:p="http://schemas.openxmlformats.org/presentationml/2006/main">
+  <p:cSld>
+    <p:spTree>
+      <p:nvGrpSpPr>
+        <p:cNvPr id="1" name=""/>
+        <p:cNvGrpSpPr/>
+        <p:nvPr/>
+      </p:nvGrpSpPr>
+      <p:grpSpPr>
+        <a:xfrm>
+          <a:off x="0" y="0"/>
+          <a:ext cx="0" cy="0"/>
+          <a:chOff x="0" y="0"/>
+          <a:chExt cx="0" cy="0"/>
+        </a:xfrm>
+      </p:grpSpPr>
+      <p:pic>
+        <p:nvPicPr>
+          <p:cNvPr id="8" name="図 7">
+            <a:extLst>
+              <a:ext uri="{FF2B5EF4-FFF2-40B4-BE49-F238E27FC236}">
+                <a16:creationId xmlns:a16="http://schemas.microsoft.com/office/drawing/2014/main" id="{3BE82D6C-BED9-AAD3-200F-8AA54BAA2A85}"/>
+              </a:ext>
+            </a:extLst>
+          </p:cNvPr>
+          <p:cNvPicPr>
+            <a:picLocks noChangeAspect="1"/>
+          </p:cNvPicPr>
+          <p:nvPr/>
+        </p:nvPicPr>
+        <p:blipFill rotWithShape="1">
+          <a:blip r:embed="rId2"/>
+          <a:srcRect l="82143"/>
+          <a:stretch/>
+        </p:blipFill>
+        <p:spPr>
+          <a:xfrm>
+            <a:off x="1213755" y="1902893"/>
+            <a:ext cx="7065541" cy="3207344"/>
+          </a:xfrm>
+          <a:prstGeom prst="rect">
+            <a:avLst/>
+          </a:prstGeom>
+        </p:spPr>
+      </p:pic>
+      <p:pic>
+        <p:nvPicPr>
+          <p:cNvPr id="6" name="図 5">
+            <a:extLst>
+              <a:ext uri="{FF2B5EF4-FFF2-40B4-BE49-F238E27FC236}">
+                <a16:creationId xmlns:a16="http://schemas.microsoft.com/office/drawing/2014/main" id="{7157C9CB-7CB6-FC23-2BBD-8A2AD715BB6C}"/>
+              </a:ext>
+            </a:extLst>
+          </p:cNvPr>
+          <p:cNvPicPr>
+            <a:picLocks noChangeAspect="1"/>
+          </p:cNvPicPr>
+          <p:nvPr/>
+        </p:nvPicPr>
+        <p:blipFill>
+          <a:blip r:embed="rId3"/>
+          <a:stretch>
+            <a:fillRect/>
+          </a:stretch>
+        </p:blipFill>
+        <p:spPr>
+          <a:xfrm>
+            <a:off x="3551583" y="1902893"/>
+            <a:ext cx="7772400" cy="3207344"/>
+          </a:xfrm>
+          <a:prstGeom prst="rect">
+            <a:avLst/>
+          </a:prstGeom>
+        </p:spPr>
+      </p:pic>
+      <p:sp>
+        <p:nvSpPr>
+          <p:cNvPr id="10" name="右中かっこ 9">
+            <a:extLst>
+              <a:ext uri="{FF2B5EF4-FFF2-40B4-BE49-F238E27FC236}">
+                <a16:creationId xmlns:a16="http://schemas.microsoft.com/office/drawing/2014/main" id="{4526D863-DC58-ED88-274F-1556484EC438}"/>
+              </a:ext>
+            </a:extLst>
+          </p:cNvPr>
+          <p:cNvSpPr/>
+          <p:nvPr/>
+        </p:nvSpPr>
+        <p:spPr>
+          <a:xfrm rot="10800000">
+            <a:off x="3730996" y="3299792"/>
+            <a:ext cx="388731" cy="1597384"/>
+          </a:xfrm>
+          <a:prstGeom prst="rightBrace">
+            <a:avLst/>
+          </a:prstGeom>
+          <a:ln w="28575">
+            <a:solidFill>
+              <a:srgbClr val="FF0000"/>
+            </a:solidFill>
+          </a:ln>
+        </p:spPr>
+        <p:style>
+          <a:lnRef idx="2">
+            <a:schemeClr val="accent1"/>
+          </a:lnRef>
+          <a:fillRef idx="0">
+            <a:schemeClr val="accent1"/>
+          </a:fillRef>
+          <a:effectRef idx="1">
+            <a:schemeClr val="accent1"/>
+          </a:effectRef>
+          <a:fontRef idx="minor">
+            <a:schemeClr val="tx1"/>
+          </a:fontRef>
+        </p:style>
+        <p:txBody>
+          <a:bodyPr rtlCol="0" anchor="ctr"/>
+          <a:lstStyle/>
+          <a:p>
+            <a:pPr algn="ctr"/>
+            <a:endParaRPr kumimoji="1" lang="ja-JP" altLang="en-US"/>
+          </a:p>
+        </p:txBody>
+      </p:sp>
+      <p:sp>
+        <p:nvSpPr>
+          <p:cNvPr id="11" name="テキスト ボックス 10">
+            <a:extLst>
+              <a:ext uri="{FF2B5EF4-FFF2-40B4-BE49-F238E27FC236}">
+                <a16:creationId xmlns:a16="http://schemas.microsoft.com/office/drawing/2014/main" id="{C5BB519E-2F5C-E0B7-A64A-5712EC53EE7A}"/>
+              </a:ext>
+            </a:extLst>
+          </p:cNvPr>
+          <p:cNvSpPr txBox="1"/>
+          <p:nvPr/>
+        </p:nvSpPr>
+        <p:spPr>
+          <a:xfrm>
+            <a:off x="1751090" y="3874061"/>
+            <a:ext cx="1800493" cy="646331"/>
+          </a:xfrm>
+          <a:prstGeom prst="rect">
+            <a:avLst/>
+          </a:prstGeom>
+          <a:noFill/>
+        </p:spPr>
+        <p:txBody>
+          <a:bodyPr wrap="none" rtlCol="0">
+            <a:spAutoFit/>
+          </a:bodyPr>
+          <a:lstStyle/>
+          <a:p>
+            <a:r>
+              <a:rPr kumimoji="1" lang="ja-JP" altLang="en-US">
+                <a:solidFill>
+                  <a:srgbClr val="FF0000"/>
+                </a:solidFill>
+              </a:rPr>
+              <a:t>機能を実行した</a:t>
+            </a:r>
+            <a:endParaRPr kumimoji="1" lang="en-US" altLang="ja-JP" dirty="0">
+              <a:solidFill>
+                <a:srgbClr val="FF0000"/>
+              </a:solidFill>
+            </a:endParaRPr>
+          </a:p>
+          <a:p>
+            <a:r>
+              <a:rPr kumimoji="1" lang="ja-JP" altLang="en-US">
+                <a:solidFill>
+                  <a:srgbClr val="FF0000"/>
+                </a:solidFill>
+              </a:rPr>
+              <a:t>結果を付加</a:t>
+            </a:r>
+          </a:p>
+        </p:txBody>
+      </p:sp>
+    </p:spTree>
+    <p:extLst>
+      <p:ext uri="{BB962C8B-B14F-4D97-AF65-F5344CB8AC3E}">
+        <p14:creationId xmlns:p14="http://schemas.microsoft.com/office/powerpoint/2010/main" val="3484983207"/>
+      </p:ext>
+    </p:extLst>
+  </p:cSld>
+  <p:clrMapOvr>
+    <a:masterClrMapping/>
+  </p:clrMapOvr>
+</p:sld>
+</file>
+
+<file path=ppt/slides/slide7.xml><?xml version="1.0" encoding="utf-8"?>
+<p:sld xmlns:a="http://schemas.openxmlformats.org/drawingml/2006/main" xmlns:r="http://schemas.openxmlformats.org/officeDocument/2006/relationships" xmlns:p="http://schemas.openxmlformats.org/presentationml/2006/main">
+  <p:cSld>
+    <p:spTree>
+      <p:nvGrpSpPr>
+        <p:cNvPr id="1" name=""/>
+        <p:cNvGrpSpPr/>
+        <p:nvPr/>
+      </p:nvGrpSpPr>
+      <p:grpSpPr>
+        <a:xfrm>
+          <a:off x="0" y="0"/>
+          <a:ext cx="0" cy="0"/>
+          <a:chOff x="0" y="0"/>
+          <a:chExt cx="0" cy="0"/>
+        </a:xfrm>
+      </p:grpSpPr>
+      <p:pic>
+        <p:nvPicPr>
+          <p:cNvPr id="6" name="図 5">
+            <a:extLst>
+              <a:ext uri="{FF2B5EF4-FFF2-40B4-BE49-F238E27FC236}">
+                <a16:creationId xmlns:a16="http://schemas.microsoft.com/office/drawing/2014/main" id="{0D9C51C1-5D27-2667-4359-89D8C59DC191}"/>
+              </a:ext>
+            </a:extLst>
+          </p:cNvPr>
+          <p:cNvPicPr>
+            <a:picLocks noChangeAspect="1"/>
+          </p:cNvPicPr>
+          <p:nvPr/>
+        </p:nvPicPr>
+        <p:blipFill>
+          <a:blip r:embed="rId2"/>
+          <a:stretch>
+            <a:fillRect/>
+          </a:stretch>
+        </p:blipFill>
+        <p:spPr>
+          <a:xfrm>
+            <a:off x="2070652" y="4128927"/>
+            <a:ext cx="7132983" cy="2400377"/>
+          </a:xfrm>
+          <a:prstGeom prst="rect">
+            <a:avLst/>
+          </a:prstGeom>
+        </p:spPr>
+      </p:pic>
+      <p:pic>
+        <p:nvPicPr>
+          <p:cNvPr id="8" name="図 7">
+            <a:extLst>
+              <a:ext uri="{FF2B5EF4-FFF2-40B4-BE49-F238E27FC236}">
+                <a16:creationId xmlns:a16="http://schemas.microsoft.com/office/drawing/2014/main" id="{02ABE796-0CAD-7C1B-A194-20D3C54C815E}"/>
+              </a:ext>
+            </a:extLst>
+          </p:cNvPr>
+          <p:cNvPicPr>
+            <a:picLocks noChangeAspect="1"/>
+          </p:cNvPicPr>
+          <p:nvPr/>
+        </p:nvPicPr>
+        <p:blipFill>
+          <a:blip r:embed="rId3"/>
+          <a:stretch>
+            <a:fillRect/>
+          </a:stretch>
+        </p:blipFill>
+        <p:spPr>
+          <a:xfrm>
+            <a:off x="2070652" y="628866"/>
+            <a:ext cx="7132983" cy="2761397"/>
+          </a:xfrm>
+          <a:prstGeom prst="rect">
+            <a:avLst/>
+          </a:prstGeom>
+        </p:spPr>
+      </p:pic>
+      <p:sp>
+        <p:nvSpPr>
+          <p:cNvPr id="13" name="テキスト ボックス 12">
+            <a:extLst>
+              <a:ext uri="{FF2B5EF4-FFF2-40B4-BE49-F238E27FC236}">
+                <a16:creationId xmlns:a16="http://schemas.microsoft.com/office/drawing/2014/main" id="{CC8F05AB-3A78-8645-E313-E6743EED65B2}"/>
+              </a:ext>
+            </a:extLst>
+          </p:cNvPr>
+          <p:cNvSpPr txBox="1"/>
+          <p:nvPr/>
+        </p:nvSpPr>
+        <p:spPr>
+          <a:xfrm>
+            <a:off x="2070652" y="259534"/>
+            <a:ext cx="6248399" cy="369332"/>
+          </a:xfrm>
+          <a:prstGeom prst="rect">
+            <a:avLst/>
+          </a:prstGeom>
+          <a:noFill/>
+        </p:spPr>
+        <p:txBody>
+          <a:bodyPr wrap="square" rtlCol="0">
+            <a:spAutoFit/>
+          </a:bodyPr>
+          <a:lstStyle/>
+          <a:p>
+            <a:r>
+              <a:rPr lang="ja-JP" altLang="en-US"/>
+              <a:t>入力：今日の夕食はぶり大根を作ろうかな。</a:t>
+            </a:r>
+          </a:p>
+        </p:txBody>
+      </p:sp>
+      <p:sp>
+        <p:nvSpPr>
+          <p:cNvPr id="14" name="テキスト ボックス 13">
+            <a:extLst>
+              <a:ext uri="{FF2B5EF4-FFF2-40B4-BE49-F238E27FC236}">
+                <a16:creationId xmlns:a16="http://schemas.microsoft.com/office/drawing/2014/main" id="{ECBAAE08-815B-91D6-A81B-D375BAFBC65D}"/>
+              </a:ext>
+            </a:extLst>
+          </p:cNvPr>
+          <p:cNvSpPr txBox="1"/>
+          <p:nvPr/>
+        </p:nvSpPr>
+        <p:spPr>
+          <a:xfrm>
+            <a:off x="2070652" y="3759595"/>
+            <a:ext cx="6248399" cy="369332"/>
+          </a:xfrm>
+          <a:prstGeom prst="rect">
+            <a:avLst/>
+          </a:prstGeom>
+          <a:noFill/>
+        </p:spPr>
+        <p:txBody>
+          <a:bodyPr wrap="square" rtlCol="0">
+            <a:spAutoFit/>
+          </a:bodyPr>
+          <a:lstStyle/>
+          <a:p>
+            <a:r>
+              <a:rPr lang="ja-JP" altLang="en-US"/>
+              <a:t>入力：今日の夕食は外食にしようかな。</a:t>
+            </a:r>
+          </a:p>
+        </p:txBody>
+      </p:sp>
+      <p:sp>
+        <p:nvSpPr>
+          <p:cNvPr id="15" name="正方形/長方形 14">
+            <a:extLst>
+              <a:ext uri="{FF2B5EF4-FFF2-40B4-BE49-F238E27FC236}">
+                <a16:creationId xmlns:a16="http://schemas.microsoft.com/office/drawing/2014/main" id="{FF296400-1DAC-527C-63A4-903A3D645B73}"/>
+              </a:ext>
+            </a:extLst>
+          </p:cNvPr>
+          <p:cNvSpPr/>
+          <p:nvPr/>
+        </p:nvSpPr>
+        <p:spPr>
+          <a:xfrm>
+            <a:off x="2402408" y="1219071"/>
+            <a:ext cx="2666549" cy="222103"/>
+          </a:xfrm>
+          <a:prstGeom prst="rect">
+            <a:avLst/>
+          </a:prstGeom>
+          <a:noFill/>
+          <a:ln w="28575">
+            <a:solidFill>
+              <a:srgbClr val="FF0000"/>
+            </a:solidFill>
+            <a:prstDash val="solid"/>
+          </a:ln>
+        </p:spPr>
+        <p:style>
+          <a:lnRef idx="2">
+            <a:schemeClr val="accent1">
+              <a:shade val="15000"/>
+            </a:schemeClr>
+          </a:lnRef>
+          <a:fillRef idx="1">
+            <a:schemeClr val="accent1"/>
+          </a:fillRef>
+          <a:effectRef idx="0">
+            <a:schemeClr val="accent1"/>
+          </a:effectRef>
+          <a:fontRef idx="minor">
+            <a:schemeClr val="lt1"/>
+          </a:fontRef>
+        </p:style>
+        <p:txBody>
+          <a:bodyPr rtlCol="0" anchor="ctr"/>
+          <a:lstStyle/>
+          <a:p>
+            <a:pPr algn="ctr"/>
+            <a:endParaRPr kumimoji="1" lang="ja-JP" altLang="en-US"/>
+          </a:p>
+        </p:txBody>
+      </p:sp>
+      <p:sp>
+        <p:nvSpPr>
+          <p:cNvPr id="18" name="正方形/長方形 17">
+            <a:extLst>
+              <a:ext uri="{FF2B5EF4-FFF2-40B4-BE49-F238E27FC236}">
+                <a16:creationId xmlns:a16="http://schemas.microsoft.com/office/drawing/2014/main" id="{252AF795-A6B7-E059-EF3B-88156AEC7AE6}"/>
+              </a:ext>
+            </a:extLst>
+          </p:cNvPr>
+          <p:cNvSpPr/>
+          <p:nvPr/>
+        </p:nvSpPr>
+        <p:spPr>
+          <a:xfrm>
+            <a:off x="2528303" y="4725000"/>
+            <a:ext cx="1924428" cy="224687"/>
+          </a:xfrm>
+          <a:prstGeom prst="rect">
+            <a:avLst/>
+          </a:prstGeom>
+          <a:noFill/>
+          <a:ln w="28575">
+            <a:solidFill>
+              <a:srgbClr val="FF0000"/>
+            </a:solidFill>
+            <a:prstDash val="solid"/>
+          </a:ln>
+        </p:spPr>
+        <p:style>
+          <a:lnRef idx="2">
+            <a:schemeClr val="accent1">
+              <a:shade val="15000"/>
+            </a:schemeClr>
+          </a:lnRef>
+          <a:fillRef idx="1">
+            <a:schemeClr val="accent1"/>
+          </a:fillRef>
+          <a:effectRef idx="0">
+            <a:schemeClr val="accent1"/>
+          </a:effectRef>
+          <a:fontRef idx="minor">
+            <a:schemeClr val="lt1"/>
+          </a:fontRef>
+        </p:style>
+        <p:txBody>
+          <a:bodyPr rtlCol="0" anchor="ctr"/>
+          <a:lstStyle/>
+          <a:p>
+            <a:pPr algn="ctr"/>
+            <a:endParaRPr kumimoji="1" lang="ja-JP" altLang="en-US"/>
+          </a:p>
+        </p:txBody>
+      </p:sp>
+      <p:sp>
+        <p:nvSpPr>
+          <p:cNvPr id="19" name="正方形/長方形 18">
+            <a:extLst>
+              <a:ext uri="{FF2B5EF4-FFF2-40B4-BE49-F238E27FC236}">
+                <a16:creationId xmlns:a16="http://schemas.microsoft.com/office/drawing/2014/main" id="{725953D9-E190-C360-C043-2DE7910CA3BD}"/>
+              </a:ext>
+            </a:extLst>
+          </p:cNvPr>
+          <p:cNvSpPr/>
+          <p:nvPr/>
+        </p:nvSpPr>
+        <p:spPr>
+          <a:xfrm>
+            <a:off x="2611129" y="5319019"/>
+            <a:ext cx="6493114" cy="224687"/>
+          </a:xfrm>
+          <a:prstGeom prst="rect">
+            <a:avLst/>
+          </a:prstGeom>
+          <a:noFill/>
+          <a:ln w="28575">
+            <a:solidFill>
+              <a:srgbClr val="FF0000"/>
+            </a:solidFill>
+            <a:prstDash val="solid"/>
+          </a:ln>
+        </p:spPr>
+        <p:style>
+          <a:lnRef idx="2">
+            <a:schemeClr val="accent1">
+              <a:shade val="15000"/>
+            </a:schemeClr>
+          </a:lnRef>
+          <a:fillRef idx="1">
+            <a:schemeClr val="accent1"/>
+          </a:fillRef>
+          <a:effectRef idx="0">
+            <a:schemeClr val="accent1"/>
+          </a:effectRef>
+          <a:fontRef idx="minor">
+            <a:schemeClr val="lt1"/>
+          </a:fontRef>
+        </p:style>
+        <p:txBody>
+          <a:bodyPr rtlCol="0" anchor="ctr"/>
+          <a:lstStyle/>
+          <a:p>
+            <a:pPr algn="ctr"/>
+            <a:endParaRPr kumimoji="1" lang="ja-JP" altLang="en-US"/>
+          </a:p>
+        </p:txBody>
+      </p:sp>
+      <p:sp>
+        <p:nvSpPr>
+          <p:cNvPr id="20" name="正方形/長方形 19">
+            <a:extLst>
+              <a:ext uri="{FF2B5EF4-FFF2-40B4-BE49-F238E27FC236}">
+                <a16:creationId xmlns:a16="http://schemas.microsoft.com/office/drawing/2014/main" id="{D4EB2ADF-0D88-F7D2-2E02-4FCA3B2291CC}"/>
+              </a:ext>
+            </a:extLst>
+          </p:cNvPr>
+          <p:cNvSpPr/>
+          <p:nvPr/>
+        </p:nvSpPr>
+        <p:spPr>
+          <a:xfrm>
+            <a:off x="2528303" y="1790125"/>
+            <a:ext cx="3773106" cy="841141"/>
+          </a:xfrm>
+          <a:prstGeom prst="rect">
+            <a:avLst/>
+          </a:prstGeom>
+          <a:noFill/>
+          <a:ln w="28575">
+            <a:solidFill>
+              <a:srgbClr val="FF0000"/>
+            </a:solidFill>
+            <a:prstDash val="solid"/>
+          </a:ln>
+        </p:spPr>
+        <p:style>
+          <a:lnRef idx="2">
+            <a:schemeClr val="accent1">
+              <a:shade val="15000"/>
+            </a:schemeClr>
+          </a:lnRef>
+          <a:fillRef idx="1">
+            <a:schemeClr val="accent1"/>
+          </a:fillRef>
+          <a:effectRef idx="0">
+            <a:schemeClr val="accent1"/>
+          </a:effectRef>
+          <a:fontRef idx="minor">
+            <a:schemeClr val="lt1"/>
+          </a:fontRef>
+        </p:style>
+        <p:txBody>
+          <a:bodyPr rtlCol="0" anchor="ctr"/>
+          <a:lstStyle/>
+          <a:p>
+            <a:pPr algn="ctr"/>
+            <a:endParaRPr kumimoji="1" lang="ja-JP" altLang="en-US"/>
+          </a:p>
+        </p:txBody>
+      </p:sp>
+    </p:spTree>
+    <p:extLst>
+      <p:ext uri="{BB962C8B-B14F-4D97-AF65-F5344CB8AC3E}">
+        <p14:creationId xmlns:p14="http://schemas.microsoft.com/office/powerpoint/2010/main" val="1456269657"/>
       </p:ext>
     </p:extLst>
   </p:cSld>

--- a/images/azure-openai-add-function-calling/diagram.pptx
+++ b/images/azure-openai-add-function-calling/diagram.pptx
@@ -265,7 +265,7 @@
           <a:p>
             <a:fld id="{FEF8E141-D559-1847-B003-190962AE17D0}" type="datetimeFigureOut">
               <a:rPr kumimoji="1" lang="ja-JP" altLang="en-US" smtClean="0"/>
-              <a:t>2023/7/22</a:t>
+              <a:t>2023/7/26</a:t>
             </a:fld>
             <a:endParaRPr kumimoji="1" lang="ja-JP" altLang="en-US"/>
           </a:p>
@@ -495,7 +495,7 @@
           <a:p>
             <a:fld id="{FEF8E141-D559-1847-B003-190962AE17D0}" type="datetimeFigureOut">
               <a:rPr kumimoji="1" lang="ja-JP" altLang="en-US" smtClean="0"/>
-              <a:t>2023/7/22</a:t>
+              <a:t>2023/7/26</a:t>
             </a:fld>
             <a:endParaRPr kumimoji="1" lang="ja-JP" altLang="en-US"/>
           </a:p>
@@ -735,7 +735,7 @@
           <a:p>
             <a:fld id="{FEF8E141-D559-1847-B003-190962AE17D0}" type="datetimeFigureOut">
               <a:rPr kumimoji="1" lang="ja-JP" altLang="en-US" smtClean="0"/>
-              <a:t>2023/7/22</a:t>
+              <a:t>2023/7/26</a:t>
             </a:fld>
             <a:endParaRPr kumimoji="1" lang="ja-JP" altLang="en-US"/>
           </a:p>
@@ -965,7 +965,7 @@
           <a:p>
             <a:fld id="{FEF8E141-D559-1847-B003-190962AE17D0}" type="datetimeFigureOut">
               <a:rPr kumimoji="1" lang="ja-JP" altLang="en-US" smtClean="0"/>
-              <a:t>2023/7/22</a:t>
+              <a:t>2023/7/26</a:t>
             </a:fld>
             <a:endParaRPr kumimoji="1" lang="ja-JP" altLang="en-US"/>
           </a:p>
@@ -1240,7 +1240,7 @@
           <a:p>
             <a:fld id="{FEF8E141-D559-1847-B003-190962AE17D0}" type="datetimeFigureOut">
               <a:rPr kumimoji="1" lang="ja-JP" altLang="en-US" smtClean="0"/>
-              <a:t>2023/7/22</a:t>
+              <a:t>2023/7/26</a:t>
             </a:fld>
             <a:endParaRPr kumimoji="1" lang="ja-JP" altLang="en-US"/>
           </a:p>
@@ -1569,7 +1569,7 @@
           <a:p>
             <a:fld id="{FEF8E141-D559-1847-B003-190962AE17D0}" type="datetimeFigureOut">
               <a:rPr kumimoji="1" lang="ja-JP" altLang="en-US" smtClean="0"/>
-              <a:t>2023/7/22</a:t>
+              <a:t>2023/7/26</a:t>
             </a:fld>
             <a:endParaRPr kumimoji="1" lang="ja-JP" altLang="en-US"/>
           </a:p>
@@ -2045,7 +2045,7 @@
           <a:p>
             <a:fld id="{FEF8E141-D559-1847-B003-190962AE17D0}" type="datetimeFigureOut">
               <a:rPr kumimoji="1" lang="ja-JP" altLang="en-US" smtClean="0"/>
-              <a:t>2023/7/22</a:t>
+              <a:t>2023/7/26</a:t>
             </a:fld>
             <a:endParaRPr kumimoji="1" lang="ja-JP" altLang="en-US"/>
           </a:p>
@@ -2186,7 +2186,7 @@
           <a:p>
             <a:fld id="{FEF8E141-D559-1847-B003-190962AE17D0}" type="datetimeFigureOut">
               <a:rPr kumimoji="1" lang="ja-JP" altLang="en-US" smtClean="0"/>
-              <a:t>2023/7/22</a:t>
+              <a:t>2023/7/26</a:t>
             </a:fld>
             <a:endParaRPr kumimoji="1" lang="ja-JP" altLang="en-US"/>
           </a:p>
@@ -2299,7 +2299,7 @@
           <a:p>
             <a:fld id="{FEF8E141-D559-1847-B003-190962AE17D0}" type="datetimeFigureOut">
               <a:rPr kumimoji="1" lang="ja-JP" altLang="en-US" smtClean="0"/>
-              <a:t>2023/7/22</a:t>
+              <a:t>2023/7/26</a:t>
             </a:fld>
             <a:endParaRPr kumimoji="1" lang="ja-JP" altLang="en-US"/>
           </a:p>
@@ -2642,7 +2642,7 @@
           <a:p>
             <a:fld id="{FEF8E141-D559-1847-B003-190962AE17D0}" type="datetimeFigureOut">
               <a:rPr kumimoji="1" lang="ja-JP" altLang="en-US" smtClean="0"/>
-              <a:t>2023/7/22</a:t>
+              <a:t>2023/7/26</a:t>
             </a:fld>
             <a:endParaRPr kumimoji="1" lang="ja-JP" altLang="en-US"/>
           </a:p>
@@ -2930,7 +2930,7 @@
           <a:p>
             <a:fld id="{FEF8E141-D559-1847-B003-190962AE17D0}" type="datetimeFigureOut">
               <a:rPr kumimoji="1" lang="ja-JP" altLang="en-US" smtClean="0"/>
-              <a:t>2023/7/22</a:t>
+              <a:t>2023/7/26</a:t>
             </a:fld>
             <a:endParaRPr kumimoji="1" lang="ja-JP" altLang="en-US"/>
           </a:p>
@@ -3203,7 +3203,7 @@
           <a:p>
             <a:fld id="{FEF8E141-D559-1847-B003-190962AE17D0}" type="datetimeFigureOut">
               <a:rPr kumimoji="1" lang="ja-JP" altLang="en-US" smtClean="0"/>
-              <a:t>2023/7/22</a:t>
+              <a:t>2023/7/26</a:t>
             </a:fld>
             <a:endParaRPr kumimoji="1" lang="ja-JP" altLang="en-US"/>
           </a:p>
@@ -5038,8 +5038,8 @@
               <a:t>{”food”:”</a:t>
             </a:r>
             <a:r>
-              <a:rPr lang="ja-JP" altLang="en-US" sz="1400"/>
-              <a:t>ラーメン</a:t>
+              <a:rPr lang="en-US" altLang="ja-JP" sz="1400" dirty="0" err="1"/>
+              <a:t>xxxx</a:t>
             </a:r>
             <a:r>
               <a:rPr lang="en-US" altLang="ja-JP" sz="1400" dirty="0"/>
